--- a/baby-experiment/resources/blanks.pptx
+++ b/baby-experiment/resources/blanks.pptx
@@ -105,6 +105,11 @@
       </a:defRPr>
     </a:lvl9pPr>
   </p:defaultTextStyle>
+  <p:extLst>
+    <p:ext uri="{EFAFB233-063F-42B5-8137-9DF3F51BA10A}">
+      <p15:sldGuideLst xmlns:p15="http://schemas.microsoft.com/office/powerpoint/2012/main"/>
+    </p:ext>
+  </p:extLst>
 </p:presentation>
 </file>
 
@@ -255,7 +260,7 @@
           <a:p>
             <a:fld id="{0C6B4435-045D-4645-956C-F04BA8991BEE}" type="datetimeFigureOut">
               <a:rPr lang="en-US" smtClean="0"/>
-              <a:t>2/18/21</a:t>
+              <a:t>3/12/21</a:t>
             </a:fld>
             <a:endParaRPr lang="en-US"/>
           </a:p>
@@ -453,7 +458,7 @@
           <a:p>
             <a:fld id="{0C6B4435-045D-4645-956C-F04BA8991BEE}" type="datetimeFigureOut">
               <a:rPr lang="en-US" smtClean="0"/>
-              <a:t>2/18/21</a:t>
+              <a:t>3/12/21</a:t>
             </a:fld>
             <a:endParaRPr lang="en-US"/>
           </a:p>
@@ -661,7 +666,7 @@
           <a:p>
             <a:fld id="{0C6B4435-045D-4645-956C-F04BA8991BEE}" type="datetimeFigureOut">
               <a:rPr lang="en-US" smtClean="0"/>
-              <a:t>2/18/21</a:t>
+              <a:t>3/12/21</a:t>
             </a:fld>
             <a:endParaRPr lang="en-US"/>
           </a:p>
@@ -859,7 +864,7 @@
           <a:p>
             <a:fld id="{0C6B4435-045D-4645-956C-F04BA8991BEE}" type="datetimeFigureOut">
               <a:rPr lang="en-US" smtClean="0"/>
-              <a:t>2/18/21</a:t>
+              <a:t>3/12/21</a:t>
             </a:fld>
             <a:endParaRPr lang="en-US"/>
           </a:p>
@@ -1134,7 +1139,7 @@
           <a:p>
             <a:fld id="{0C6B4435-045D-4645-956C-F04BA8991BEE}" type="datetimeFigureOut">
               <a:rPr lang="en-US" smtClean="0"/>
-              <a:t>2/18/21</a:t>
+              <a:t>3/12/21</a:t>
             </a:fld>
             <a:endParaRPr lang="en-US"/>
           </a:p>
@@ -1399,7 +1404,7 @@
           <a:p>
             <a:fld id="{0C6B4435-045D-4645-956C-F04BA8991BEE}" type="datetimeFigureOut">
               <a:rPr lang="en-US" smtClean="0"/>
-              <a:t>2/18/21</a:t>
+              <a:t>3/12/21</a:t>
             </a:fld>
             <a:endParaRPr lang="en-US"/>
           </a:p>
@@ -1811,7 +1816,7 @@
           <a:p>
             <a:fld id="{0C6B4435-045D-4645-956C-F04BA8991BEE}" type="datetimeFigureOut">
               <a:rPr lang="en-US" smtClean="0"/>
-              <a:t>2/18/21</a:t>
+              <a:t>3/12/21</a:t>
             </a:fld>
             <a:endParaRPr lang="en-US"/>
           </a:p>
@@ -1952,7 +1957,7 @@
           <a:p>
             <a:fld id="{0C6B4435-045D-4645-956C-F04BA8991BEE}" type="datetimeFigureOut">
               <a:rPr lang="en-US" smtClean="0"/>
-              <a:t>2/18/21</a:t>
+              <a:t>3/12/21</a:t>
             </a:fld>
             <a:endParaRPr lang="en-US"/>
           </a:p>
@@ -2065,7 +2070,7 @@
           <a:p>
             <a:fld id="{0C6B4435-045D-4645-956C-F04BA8991BEE}" type="datetimeFigureOut">
               <a:rPr lang="en-US" smtClean="0"/>
-              <a:t>2/18/21</a:t>
+              <a:t>3/12/21</a:t>
             </a:fld>
             <a:endParaRPr lang="en-US"/>
           </a:p>
@@ -2376,7 +2381,7 @@
           <a:p>
             <a:fld id="{0C6B4435-045D-4645-956C-F04BA8991BEE}" type="datetimeFigureOut">
               <a:rPr lang="en-US" smtClean="0"/>
-              <a:t>2/18/21</a:t>
+              <a:t>3/12/21</a:t>
             </a:fld>
             <a:endParaRPr lang="en-US"/>
           </a:p>
@@ -2664,7 +2669,7 @@
           <a:p>
             <a:fld id="{0C6B4435-045D-4645-956C-F04BA8991BEE}" type="datetimeFigureOut">
               <a:rPr lang="en-US" smtClean="0"/>
-              <a:t>2/18/21</a:t>
+              <a:t>3/12/21</a:t>
             </a:fld>
             <a:endParaRPr lang="en-US"/>
           </a:p>
@@ -2905,7 +2910,7 @@
           <a:p>
             <a:fld id="{0C6B4435-045D-4645-956C-F04BA8991BEE}" type="datetimeFigureOut">
               <a:rPr lang="en-US" smtClean="0"/>
-              <a:t>2/18/21</a:t>
+              <a:t>3/12/21</a:t>
             </a:fld>
             <a:endParaRPr lang="en-US"/>
           </a:p>
@@ -3400,10 +3405,10 @@
       </p:grpSpPr>
       <p:sp>
         <p:nvSpPr>
-          <p:cNvPr id="4" name="Oval 3">
-            <a:extLst>
-              <a:ext uri="{FF2B5EF4-FFF2-40B4-BE49-F238E27FC236}">
-                <a16:creationId xmlns:a16="http://schemas.microsoft.com/office/drawing/2014/main" id="{8D6234A9-7A1E-F846-8207-1BF5E6A31BC2}"/>
+          <p:cNvPr id="2" name="Rectangle 1">
+            <a:extLst>
+              <a:ext uri="{FF2B5EF4-FFF2-40B4-BE49-F238E27FC236}">
+                <a16:creationId xmlns:a16="http://schemas.microsoft.com/office/drawing/2014/main" id="{A9A4269A-9098-754F-A459-7C6DA4A55C0C}"/>
               </a:ext>
             </a:extLst>
           </p:cNvPr>
@@ -3412,14 +3417,14 @@
         </p:nvSpPr>
         <p:spPr>
           <a:xfrm>
-            <a:off x="5266934" y="-387626"/>
-            <a:ext cx="461319" cy="457200"/>
+            <a:off x="5620215" y="-390287"/>
+            <a:ext cx="170826" cy="468351"/>
           </a:xfrm>
-          <a:prstGeom prst="ellipse">
+          <a:prstGeom prst="rect">
             <a:avLst/>
           </a:prstGeom>
           <a:solidFill>
-            <a:srgbClr val="92D050"/>
+            <a:srgbClr val="C00000"/>
           </a:solidFill>
           <a:ln>
             <a:noFill/>
